--- a/images/heatbath_thermostat/fig.pptx
+++ b/images/heatbath_thermostat/fig.pptx
@@ -860,6 +860,12 @@
           <a:prstGeom prst="rect">
             <a:avLst/>
           </a:prstGeom>
+          <a:solidFill>
+            <a:schemeClr val="tx2">
+              <a:lumMod val="20000"/>
+              <a:lumOff val="80000"/>
+            </a:schemeClr>
+          </a:solidFill>
           <a:ln>
             <a:solidFill>
               <a:schemeClr val="tx1"/>
@@ -970,7 +976,7 @@
         </p:nvSpPr>
         <p:spPr>
           <a:xfrm>
-            <a:off x="4355976" y="548680"/>
+            <a:off x="4427984" y="2420888"/>
             <a:ext cx="1005403" cy="584775"/>
           </a:xfrm>
           <a:prstGeom prst="rect">
@@ -1068,6 +1074,42 @@
               <a:t>エネルギー</a:t>
             </a:r>
             <a:endParaRPr kumimoji="1" lang="ja-JP" altLang="en-US" sz="2400" dirty="0"/>
+          </a:p>
+        </p:txBody>
+      </p:sp>
+      <p:sp>
+        <p:nvSpPr>
+          <p:cNvPr id="8" name="テキスト ボックス 7">
+            <a:extLst>
+              <a:ext uri="{FF2B5EF4-FFF2-40B4-BE49-F238E27FC236}">
+                <a16:creationId xmlns:a16="http://schemas.microsoft.com/office/drawing/2014/main" id="{7926715B-0148-D748-DD82-B0208511A6DB}"/>
+              </a:ext>
+            </a:extLst>
+          </p:cNvPr>
+          <p:cNvSpPr txBox="1"/>
+          <p:nvPr/>
+        </p:nvSpPr>
+        <p:spPr>
+          <a:xfrm>
+            <a:off x="3203848" y="404664"/>
+            <a:ext cx="2811988" cy="584775"/>
+          </a:xfrm>
+          <a:prstGeom prst="rect">
+            <a:avLst/>
+          </a:prstGeom>
+          <a:noFill/>
+        </p:spPr>
+        <p:txBody>
+          <a:bodyPr wrap="none" rtlCol="0">
+            <a:spAutoFit/>
+          </a:bodyPr>
+          <a:lstStyle/>
+          <a:p>
+            <a:r>
+              <a:rPr kumimoji="1" lang="ja-JP" altLang="en-US" sz="3200"/>
+              <a:t>熱浴のイメージ</a:t>
+            </a:r>
+            <a:endParaRPr kumimoji="1" lang="ja-JP" altLang="en-US" sz="3200" dirty="0"/>
           </a:p>
         </p:txBody>
       </p:sp>
